--- a/Why this approach.pptx
+++ b/Why this approach.pptx
@@ -968,13 +968,6 @@
         <p:spPr/>
         <p:txBody>
           <a:bodyPr/>
-          <a:p>
-            <a:r>
-              <a:rPr lang="en-US" altLang="en-GB"/>
-              <a:t>Note: This test set is better called a dev set.</a:t>
-            </a:r>
-            <a:endParaRPr lang="en-GB" altLang="en-US"/>
-          </a:p>
           <a:p>
             <a:r>
               <a:rPr lang="en-GB" altLang="en-US"/>
@@ -8154,7 +8147,7 @@
                 <a:cs typeface="Times New Roman" panose="02020603050405020304" charset="0"/>
                 <a:sym typeface="Arial" panose="020B0604020202020204" pitchFamily="34" charset="0"/>
               </a:rPr>
-              <a:t>Future approaches</a:t>
+              <a:t>Future endeavours </a:t>
             </a:r>
             <a:endParaRPr lang="en-US" altLang="zh-CN" sz="2000" b="1" dirty="0">
               <a:solidFill>
@@ -8177,7 +8170,7 @@
         <p:spPr>
           <a:xfrm>
             <a:off x="8753475" y="4914900"/>
-            <a:ext cx="2522855" cy="738505"/>
+            <a:ext cx="2522855" cy="1033145"/>
           </a:xfrm>
           <a:prstGeom prst="rect">
             <a:avLst/>
@@ -8191,6 +8184,34 @@
           <a:bodyPr wrap="square" lIns="0" tIns="0" rIns="0" bIns="0" anchor="t">
             <a:spAutoFit/>
           </a:bodyPr>
+          <a:p>
+            <a:pPr defTabSz="1216025">
+              <a:spcBef>
+                <a:spcPct val="20000"/>
+              </a:spcBef>
+            </a:pPr>
+            <a:r>
+              <a:rPr lang="en-US" altLang="zh-CN" sz="1600" dirty="0">
+                <a:solidFill>
+                  <a:srgbClr val="000000"/>
+                </a:solidFill>
+                <a:latin typeface="Times New Roman" panose="02020603050405020304" charset="0"/>
+                <a:ea typeface="Microsoft YaHei" panose="020B0503020204020204" pitchFamily="34" charset="-122"/>
+                <a:cs typeface="Times New Roman" panose="02020603050405020304" charset="0"/>
+                <a:sym typeface="Arial" panose="020B0604020202020204" pitchFamily="34" charset="0"/>
+              </a:rPr>
+              <a:t>Collect more data, best bet.</a:t>
+            </a:r>
+            <a:endParaRPr lang="en-US" altLang="zh-CN" sz="1600" dirty="0">
+              <a:solidFill>
+                <a:srgbClr val="000000"/>
+              </a:solidFill>
+              <a:latin typeface="Times New Roman" panose="02020603050405020304" charset="0"/>
+              <a:ea typeface="Microsoft YaHei" panose="020B0503020204020204" pitchFamily="34" charset="-122"/>
+              <a:cs typeface="Times New Roman" panose="02020603050405020304" charset="0"/>
+              <a:sym typeface="Arial" panose="020B0604020202020204" pitchFamily="34" charset="0"/>
+            </a:endParaRPr>
+          </a:p>
           <a:p>
             <a:pPr defTabSz="1216025">
               <a:spcBef>

--- a/Why this approach.pptx
+++ b/Why this approach.pptx
@@ -8041,7 +8041,7 @@
                 <a:cs typeface="Times New Roman" panose="02020603050405020304" charset="0"/>
                 <a:sym typeface="Arial" panose="020B0604020202020204" pitchFamily="34" charset="0"/>
               </a:rPr>
-              <a:t>Failed approaches</a:t>
+              <a:t>Unsuccessful approaches</a:t>
             </a:r>
             <a:endParaRPr lang="en-US" altLang="zh-CN" sz="2000" b="1" dirty="0">
               <a:solidFill>
@@ -8094,7 +8094,7 @@
                 <a:cs typeface="Times New Roman" panose="02020603050405020304" charset="0"/>
                 <a:sym typeface="Arial" panose="020B0604020202020204" pitchFamily="34" charset="0"/>
               </a:rPr>
-              <a:t>Padding images. Sobel and laplacian filters. Connected copmonents labelling gave a result of 63% only.</a:t>
+              <a:t>Padding. Sobel and laplacian filters. Connected copmonents labelling 63%. 2 layer NN with softmax 71%</a:t>
             </a:r>
             <a:endParaRPr lang="en-US" altLang="zh-CN" sz="1600" dirty="0">
               <a:solidFill>
